--- a/Sesión_4/Actividad - Sistemas de segundo orden Discretos.pptx
+++ b/Sesión_4/Actividad - Sistemas de segundo orden Discretos.pptx
@@ -158,15 +158,46 @@
 </p:presentation>
 </file>
 
+<file path=ppt/revisionInfo.xml><?xml version="1.0" encoding="utf-8"?>
+<p1510:revInfo xmlns:a="http://schemas.openxmlformats.org/drawingml/2006/main" xmlns:r="http://schemas.openxmlformats.org/officeDocument/2006/relationships" xmlns:p1510="http://schemas.microsoft.com/office/powerpoint/2015/10/main">
+  <p1510:revLst>
+    <p1510:client id="{A1F0A2E2-8082-4AD4-8B38-A50EC68EE551}" v="1" dt="2025-01-13T19:24:47.102"/>
+  </p1510:revLst>
+</p1510:revInfo>
+</file>
+
 <file path=ppt/changesInfos/changesInfo1.xml><?xml version="1.0" encoding="utf-8"?>
 <pc:chgInfo xmlns:a="http://schemas.openxmlformats.org/drawingml/2006/main" xmlns:r="http://schemas.openxmlformats.org/officeDocument/2006/relationships" xmlns:ac="http://schemas.microsoft.com/office/drawing/2013/main/command" xmlns:pc="http://schemas.microsoft.com/office/powerpoint/2013/main/command">
   <pc:docChgLst>
     <pc:chgData name="JHEYSON FABIAN VILLAVISAN BUITRAGO" userId="e5ced5c2-d787-455d-b115-4f08a699b8c8" providerId="ADAL" clId="{A1F0A2E2-8082-4AD4-8B38-A50EC68EE551}"/>
-    <pc:docChg chg="delSld modSld modSection">
-      <pc:chgData name="JHEYSON FABIAN VILLAVISAN BUITRAGO" userId="e5ced5c2-d787-455d-b115-4f08a699b8c8" providerId="ADAL" clId="{A1F0A2E2-8082-4AD4-8B38-A50EC68EE551}" dt="2025-01-03T20:15:05.179" v="22" actId="20577"/>
+    <pc:docChg chg="custSel delSld modSld modSection">
+      <pc:chgData name="JHEYSON FABIAN VILLAVISAN BUITRAGO" userId="e5ced5c2-d787-455d-b115-4f08a699b8c8" providerId="ADAL" clId="{A1F0A2E2-8082-4AD4-8B38-A50EC68EE551}" dt="2025-01-13T19:24:47.102" v="24"/>
       <pc:docMkLst>
         <pc:docMk/>
       </pc:docMkLst>
+      <pc:sldChg chg="addSp delSp modSp mod">
+        <pc:chgData name="JHEYSON FABIAN VILLAVISAN BUITRAGO" userId="e5ced5c2-d787-455d-b115-4f08a699b8c8" providerId="ADAL" clId="{A1F0A2E2-8082-4AD4-8B38-A50EC68EE551}" dt="2025-01-13T19:24:47.102" v="24"/>
+        <pc:sldMkLst>
+          <pc:docMk/>
+          <pc:sldMk cId="2505371292" sldId="270"/>
+        </pc:sldMkLst>
+        <pc:graphicFrameChg chg="del">
+          <ac:chgData name="JHEYSON FABIAN VILLAVISAN BUITRAGO" userId="e5ced5c2-d787-455d-b115-4f08a699b8c8" providerId="ADAL" clId="{A1F0A2E2-8082-4AD4-8B38-A50EC68EE551}" dt="2025-01-13T19:24:46.826" v="23" actId="478"/>
+          <ac:graphicFrameMkLst>
+            <pc:docMk/>
+            <pc:sldMk cId="2505371292" sldId="270"/>
+            <ac:graphicFrameMk id="2" creationId="{F3F82246-C76E-451D-EA87-CDDDEC715557}"/>
+          </ac:graphicFrameMkLst>
+        </pc:graphicFrameChg>
+        <pc:graphicFrameChg chg="add mod">
+          <ac:chgData name="JHEYSON FABIAN VILLAVISAN BUITRAGO" userId="e5ced5c2-d787-455d-b115-4f08a699b8c8" providerId="ADAL" clId="{A1F0A2E2-8082-4AD4-8B38-A50EC68EE551}" dt="2025-01-13T19:24:47.102" v="24"/>
+          <ac:graphicFrameMkLst>
+            <pc:docMk/>
+            <pc:sldMk cId="2505371292" sldId="270"/>
+            <ac:graphicFrameMk id="6" creationId="{336825B9-1E78-6E0B-0D56-F51633E7297C}"/>
+          </ac:graphicFrameMkLst>
+        </pc:graphicFrameChg>
+      </pc:sldChg>
       <pc:sldChg chg="del">
         <pc:chgData name="JHEYSON FABIAN VILLAVISAN BUITRAGO" userId="e5ced5c2-d787-455d-b115-4f08a699b8c8" providerId="ADAL" clId="{A1F0A2E2-8082-4AD4-8B38-A50EC68EE551}" dt="2025-01-03T20:14:51.465" v="0" actId="47"/>
         <pc:sldMkLst>
@@ -425,7 +456,7 @@
               <a:pPr>
                 <a:defRPr/>
               </a:pPr>
-              <a:t>3/01/2025</a:t>
+              <a:t>13/01/2025</a:t>
             </a:fld>
             <a:endParaRPr lang="es-CO"/>
           </a:p>
@@ -668,7 +699,7 @@
               <a:pPr>
                 <a:defRPr/>
               </a:pPr>
-              <a:t>3/01/2025</a:t>
+              <a:t>13/01/2025</a:t>
             </a:fld>
             <a:endParaRPr lang="es-CO"/>
           </a:p>
@@ -2477,7 +2508,7 @@
           <a:p>
             <a:fld id="{9CF7635E-2D71-42E7-9E6C-FBB85A15A85F}" type="datetimeFigureOut">
               <a:rPr lang="es-CO" smtClean="0"/>
-              <a:t>3/01/2025</a:t>
+              <a:t>13/01/2025</a:t>
             </a:fld>
             <a:endParaRPr lang="es-CO"/>
           </a:p>
@@ -2743,7 +2774,7 @@
           <a:p>
             <a:fld id="{9CF7635E-2D71-42E7-9E6C-FBB85A15A85F}" type="datetimeFigureOut">
               <a:rPr lang="es-CO" smtClean="0"/>
-              <a:t>3/01/2025</a:t>
+              <a:t>13/01/2025</a:t>
             </a:fld>
             <a:endParaRPr lang="es-CO"/>
           </a:p>
@@ -2959,7 +2990,7 @@
           <a:p>
             <a:fld id="{9CF7635E-2D71-42E7-9E6C-FBB85A15A85F}" type="datetimeFigureOut">
               <a:rPr lang="es-CO" smtClean="0"/>
-              <a:t>3/01/2025</a:t>
+              <a:t>13/01/2025</a:t>
             </a:fld>
             <a:endParaRPr lang="es-CO"/>
           </a:p>
@@ -4588,7 +4619,7 @@
           <a:p>
             <a:fld id="{9CF7635E-2D71-42E7-9E6C-FBB85A15A85F}" type="datetimeFigureOut">
               <a:rPr lang="es-CO" smtClean="0"/>
-              <a:t>3/01/2025</a:t>
+              <a:t>13/01/2025</a:t>
             </a:fld>
             <a:endParaRPr lang="es-CO"/>
           </a:p>
@@ -5035,7 +5066,7 @@
           <a:p>
             <a:fld id="{9CF7635E-2D71-42E7-9E6C-FBB85A15A85F}" type="datetimeFigureOut">
               <a:rPr lang="es-CO" smtClean="0"/>
-              <a:t>3/01/2025</a:t>
+              <a:t>13/01/2025</a:t>
             </a:fld>
             <a:endParaRPr lang="es-CO"/>
           </a:p>
@@ -5309,7 +5340,7 @@
           <a:p>
             <a:fld id="{9CF7635E-2D71-42E7-9E6C-FBB85A15A85F}" type="datetimeFigureOut">
               <a:rPr lang="es-CO" smtClean="0"/>
-              <a:t>3/01/2025</a:t>
+              <a:t>13/01/2025</a:t>
             </a:fld>
             <a:endParaRPr lang="es-CO"/>
           </a:p>
@@ -5730,7 +5761,7 @@
           <a:p>
             <a:fld id="{9CF7635E-2D71-42E7-9E6C-FBB85A15A85F}" type="datetimeFigureOut">
               <a:rPr lang="es-CO" smtClean="0"/>
-              <a:t>3/01/2025</a:t>
+              <a:t>13/01/2025</a:t>
             </a:fld>
             <a:endParaRPr lang="es-CO"/>
           </a:p>
@@ -5878,7 +5909,7 @@
           <a:p>
             <a:fld id="{9CF7635E-2D71-42E7-9E6C-FBB85A15A85F}" type="datetimeFigureOut">
               <a:rPr lang="es-CO" smtClean="0"/>
-              <a:t>3/01/2025</a:t>
+              <a:t>13/01/2025</a:t>
             </a:fld>
             <a:endParaRPr lang="es-CO"/>
           </a:p>
@@ -5997,7 +6028,7 @@
           <a:p>
             <a:fld id="{9CF7635E-2D71-42E7-9E6C-FBB85A15A85F}" type="datetimeFigureOut">
               <a:rPr lang="es-CO" smtClean="0"/>
-              <a:t>3/01/2025</a:t>
+              <a:t>13/01/2025</a:t>
             </a:fld>
             <a:endParaRPr lang="es-CO"/>
           </a:p>
@@ -6316,7 +6347,7 @@
           <a:p>
             <a:fld id="{9CF7635E-2D71-42E7-9E6C-FBB85A15A85F}" type="datetimeFigureOut">
               <a:rPr lang="es-CO" smtClean="0"/>
-              <a:t>3/01/2025</a:t>
+              <a:t>13/01/2025</a:t>
             </a:fld>
             <a:endParaRPr lang="es-CO"/>
           </a:p>
@@ -6611,7 +6642,7 @@
           <a:p>
             <a:fld id="{9CF7635E-2D71-42E7-9E6C-FBB85A15A85F}" type="datetimeFigureOut">
               <a:rPr lang="es-CO" smtClean="0"/>
-              <a:t>3/01/2025</a:t>
+              <a:t>13/01/2025</a:t>
             </a:fld>
             <a:endParaRPr lang="es-CO"/>
           </a:p>
@@ -6860,7 +6891,7 @@
           <a:p>
             <a:fld id="{9CF7635E-2D71-42E7-9E6C-FBB85A15A85F}" type="datetimeFigureOut">
               <a:rPr lang="es-CO" smtClean="0"/>
-              <a:t>3/01/2025</a:t>
+              <a:t>13/01/2025</a:t>
             </a:fld>
             <a:endParaRPr lang="es-CO"/>
           </a:p>
@@ -8252,12 +8283,230 @@
           </a:p>
         </p:txBody>
       </p:sp>
+      <p:sp>
+        <p:nvSpPr>
+          <p:cNvPr id="3" name="Rectángulo 9">
+            <a:extLst>
+              <a:ext uri="{FF2B5EF4-FFF2-40B4-BE49-F238E27FC236}">
+                <a16:creationId xmlns:a16="http://schemas.microsoft.com/office/drawing/2014/main" id="{B1995D40-73A6-142A-D432-9B2655AFF759}"/>
+              </a:ext>
+            </a:extLst>
+          </p:cNvPr>
+          <p:cNvSpPr>
+            <a:spLocks noChangeArrowheads="1"/>
+          </p:cNvSpPr>
+          <p:nvPr/>
+        </p:nvSpPr>
+        <p:spPr bwMode="auto">
+          <a:xfrm>
+            <a:off x="4464453" y="6431465"/>
+            <a:ext cx="4010025" cy="461665"/>
+          </a:xfrm>
+          <a:prstGeom prst="rect">
+            <a:avLst/>
+          </a:prstGeom>
+          <a:noFill/>
+          <a:ln>
+            <a:noFill/>
+          </a:ln>
+          <a:extLst>
+            <a:ext uri="{909E8E84-426E-40DD-AFC4-6F175D3DCCD1}">
+              <a14:hiddenFill xmlns:a14="http://schemas.microsoft.com/office/drawing/2010/main">
+                <a:solidFill>
+                  <a:srgbClr val="FFFFFF"/>
+                </a:solidFill>
+              </a14:hiddenFill>
+            </a:ext>
+            <a:ext uri="{91240B29-F687-4F45-9708-019B960494DF}">
+              <a14:hiddenLine xmlns:a14="http://schemas.microsoft.com/office/drawing/2010/main" w="9525">
+                <a:solidFill>
+                  <a:srgbClr val="000000"/>
+                </a:solidFill>
+                <a:miter lim="800000"/>
+                <a:headEnd/>
+                <a:tailEnd/>
+              </a14:hiddenLine>
+            </a:ext>
+          </a:extLst>
+        </p:spPr>
+        <p:txBody>
+          <a:bodyPr>
+            <a:spAutoFit/>
+          </a:bodyPr>
+          <a:lstStyle>
+            <a:lvl1pPr>
+              <a:spcBef>
+                <a:spcPct val="20000"/>
+              </a:spcBef>
+              <a:buFont typeface="Arial" panose="020B0604020202020204" pitchFamily="34" charset="0"/>
+              <a:buChar char="•"/>
+              <a:defRPr sz="3200">
+                <a:solidFill>
+                  <a:schemeClr val="tx1"/>
+                </a:solidFill>
+                <a:latin typeface="Arial" panose="020B0604020202020204" pitchFamily="34" charset="0"/>
+                <a:cs typeface="Arial" panose="020B0604020202020204" pitchFamily="34" charset="0"/>
+              </a:defRPr>
+            </a:lvl1pPr>
+            <a:lvl2pPr marL="742950" indent="-285750">
+              <a:spcBef>
+                <a:spcPct val="20000"/>
+              </a:spcBef>
+              <a:buFont typeface="Arial" panose="020B0604020202020204" pitchFamily="34" charset="0"/>
+              <a:buChar char="–"/>
+              <a:defRPr sz="2800">
+                <a:solidFill>
+                  <a:schemeClr val="tx1"/>
+                </a:solidFill>
+                <a:latin typeface="Arial" panose="020B0604020202020204" pitchFamily="34" charset="0"/>
+                <a:cs typeface="Arial" panose="020B0604020202020204" pitchFamily="34" charset="0"/>
+              </a:defRPr>
+            </a:lvl2pPr>
+            <a:lvl3pPr marL="1143000" indent="-228600">
+              <a:spcBef>
+                <a:spcPct val="20000"/>
+              </a:spcBef>
+              <a:buFont typeface="Arial" panose="020B0604020202020204" pitchFamily="34" charset="0"/>
+              <a:buChar char="•"/>
+              <a:defRPr sz="2400">
+                <a:solidFill>
+                  <a:schemeClr val="tx1"/>
+                </a:solidFill>
+                <a:latin typeface="Arial" panose="020B0604020202020204" pitchFamily="34" charset="0"/>
+                <a:cs typeface="Arial" panose="020B0604020202020204" pitchFamily="34" charset="0"/>
+              </a:defRPr>
+            </a:lvl3pPr>
+            <a:lvl4pPr marL="1600200" indent="-228600">
+              <a:spcBef>
+                <a:spcPct val="20000"/>
+              </a:spcBef>
+              <a:buFont typeface="Arial" panose="020B0604020202020204" pitchFamily="34" charset="0"/>
+              <a:buChar char="–"/>
+              <a:defRPr sz="2000">
+                <a:solidFill>
+                  <a:schemeClr val="tx1"/>
+                </a:solidFill>
+                <a:latin typeface="Arial" panose="020B0604020202020204" pitchFamily="34" charset="0"/>
+                <a:cs typeface="Arial" panose="020B0604020202020204" pitchFamily="34" charset="0"/>
+              </a:defRPr>
+            </a:lvl4pPr>
+            <a:lvl5pPr marL="2057400" indent="-228600">
+              <a:spcBef>
+                <a:spcPct val="20000"/>
+              </a:spcBef>
+              <a:buFont typeface="Arial" panose="020B0604020202020204" pitchFamily="34" charset="0"/>
+              <a:buChar char="»"/>
+              <a:defRPr sz="2000">
+                <a:solidFill>
+                  <a:schemeClr val="tx1"/>
+                </a:solidFill>
+                <a:latin typeface="Arial" panose="020B0604020202020204" pitchFamily="34" charset="0"/>
+                <a:cs typeface="Arial" panose="020B0604020202020204" pitchFamily="34" charset="0"/>
+              </a:defRPr>
+            </a:lvl5pPr>
+            <a:lvl6pPr marL="2514600" indent="-228600" eaLnBrk="0" fontAlgn="base" hangingPunct="0">
+              <a:spcBef>
+                <a:spcPct val="20000"/>
+              </a:spcBef>
+              <a:spcAft>
+                <a:spcPct val="0"/>
+              </a:spcAft>
+              <a:buFont typeface="Arial" panose="020B0604020202020204" pitchFamily="34" charset="0"/>
+              <a:buChar char="»"/>
+              <a:defRPr sz="2000">
+                <a:solidFill>
+                  <a:schemeClr val="tx1"/>
+                </a:solidFill>
+                <a:latin typeface="Arial" panose="020B0604020202020204" pitchFamily="34" charset="0"/>
+                <a:cs typeface="Arial" panose="020B0604020202020204" pitchFamily="34" charset="0"/>
+              </a:defRPr>
+            </a:lvl6pPr>
+            <a:lvl7pPr marL="2971800" indent="-228600" eaLnBrk="0" fontAlgn="base" hangingPunct="0">
+              <a:spcBef>
+                <a:spcPct val="20000"/>
+              </a:spcBef>
+              <a:spcAft>
+                <a:spcPct val="0"/>
+              </a:spcAft>
+              <a:buFont typeface="Arial" panose="020B0604020202020204" pitchFamily="34" charset="0"/>
+              <a:buChar char="»"/>
+              <a:defRPr sz="2000">
+                <a:solidFill>
+                  <a:schemeClr val="tx1"/>
+                </a:solidFill>
+                <a:latin typeface="Arial" panose="020B0604020202020204" pitchFamily="34" charset="0"/>
+                <a:cs typeface="Arial" panose="020B0604020202020204" pitchFamily="34" charset="0"/>
+              </a:defRPr>
+            </a:lvl7pPr>
+            <a:lvl8pPr marL="3429000" indent="-228600" eaLnBrk="0" fontAlgn="base" hangingPunct="0">
+              <a:spcBef>
+                <a:spcPct val="20000"/>
+              </a:spcBef>
+              <a:spcAft>
+                <a:spcPct val="0"/>
+              </a:spcAft>
+              <a:buFont typeface="Arial" panose="020B0604020202020204" pitchFamily="34" charset="0"/>
+              <a:buChar char="»"/>
+              <a:defRPr sz="2000">
+                <a:solidFill>
+                  <a:schemeClr val="tx1"/>
+                </a:solidFill>
+                <a:latin typeface="Arial" panose="020B0604020202020204" pitchFamily="34" charset="0"/>
+                <a:cs typeface="Arial" panose="020B0604020202020204" pitchFamily="34" charset="0"/>
+              </a:defRPr>
+            </a:lvl8pPr>
+            <a:lvl9pPr marL="3886200" indent="-228600" eaLnBrk="0" fontAlgn="base" hangingPunct="0">
+              <a:spcBef>
+                <a:spcPct val="20000"/>
+              </a:spcBef>
+              <a:spcAft>
+                <a:spcPct val="0"/>
+              </a:spcAft>
+              <a:buFont typeface="Arial" panose="020B0604020202020204" pitchFamily="34" charset="0"/>
+              <a:buChar char="»"/>
+              <a:defRPr sz="2000">
+                <a:solidFill>
+                  <a:schemeClr val="tx1"/>
+                </a:solidFill>
+                <a:latin typeface="Arial" panose="020B0604020202020204" pitchFamily="34" charset="0"/>
+                <a:cs typeface="Arial" panose="020B0604020202020204" pitchFamily="34" charset="0"/>
+              </a:defRPr>
+            </a:lvl9pPr>
+          </a:lstStyle>
+          <a:p>
+            <a:pPr algn="ctr">
+              <a:spcBef>
+                <a:spcPct val="0"/>
+              </a:spcBef>
+              <a:buFontTx/>
+              <a:buNone/>
+            </a:pPr>
+            <a:r>
+              <a:rPr lang="es-CO" altLang="es-CO" sz="1200" dirty="0"/>
+              <a:t> Martes:       18:10 - 20:00</a:t>
+            </a:r>
+          </a:p>
+          <a:p>
+            <a:pPr algn="ctr">
+              <a:spcBef>
+                <a:spcPct val="0"/>
+              </a:spcBef>
+              <a:buFontTx/>
+              <a:buNone/>
+            </a:pPr>
+            <a:r>
+              <a:rPr lang="es-CO" altLang="es-CO" sz="1200" dirty="0"/>
+              <a:t> Martes:      20:20 – 21:30</a:t>
+            </a:r>
+          </a:p>
+        </p:txBody>
+      </p:sp>
       <p:graphicFrame>
         <p:nvGraphicFramePr>
-          <p:cNvPr id="2" name="Tabla 3">
+          <p:cNvPr id="6" name="Tabla 3">
             <a:extLst>
               <a:ext uri="{FF2B5EF4-FFF2-40B4-BE49-F238E27FC236}">
-                <a16:creationId xmlns:a16="http://schemas.microsoft.com/office/drawing/2014/main" id="{F3F82246-C76E-451D-EA87-CDDDEC715557}"/>
+                <a16:creationId xmlns:a16="http://schemas.microsoft.com/office/drawing/2014/main" id="{336825B9-1E78-6E0B-0D56-F51633E7297C}"/>
               </a:ext>
             </a:extLst>
           </p:cNvPr>
@@ -8267,14 +8516,14 @@
           <p:nvPr>
             <p:extLst>
               <p:ext uri="{D42A27DB-BD31-4B8C-83A1-F6EECF244321}">
-                <p14:modId xmlns:p14="http://schemas.microsoft.com/office/powerpoint/2010/main" val="2347204778"/>
+                <p14:modId xmlns:p14="http://schemas.microsoft.com/office/powerpoint/2010/main" val="1395475829"/>
               </p:ext>
             </p:extLst>
           </p:nvPr>
         </p:nvGraphicFramePr>
         <p:xfrm>
           <a:off x="863588" y="670925"/>
-          <a:ext cx="7416824" cy="5738155"/>
+          <a:ext cx="7416824" cy="5483937"/>
         </p:xfrm>
         <a:graphic>
           <a:graphicData uri="http://schemas.openxmlformats.org/drawingml/2006/table">
@@ -8444,7 +8693,7 @@
                       <a:pPr algn="ctr"/>
                       <a:r>
                         <a:rPr lang="es-CO" sz="1000" dirty="0"/>
-                        <a:t>5 agosto – 10 agosto</a:t>
+                        <a:t>3 febrero – 7 febrero</a:t>
                       </a:r>
                     </a:p>
                   </a:txBody>
@@ -8651,7 +8900,7 @@
                             <a:schemeClr val="tx1"/>
                           </a:solidFill>
                         </a:rPr>
-                        <a:t>12 agosto – 16 agosto</a:t>
+                        <a:t>10 febrero – 14 febrero</a:t>
                       </a:r>
                     </a:p>
                   </a:txBody>
@@ -8812,13 +9061,10 @@
                       <a:r>
                         <a:rPr lang="es-CO" sz="1000" dirty="0">
                           <a:solidFill>
-                            <a:srgbClr val="FF0000"/>
+                            <a:schemeClr val="tx1"/>
                           </a:solidFill>
-                          <a:highlight>
-                            <a:srgbClr val="FFFF00"/>
-                          </a:highlight>
                         </a:rPr>
-                        <a:t>19 agosto –23 agosto</a:t>
+                        <a:t>17 febrero – 21 febrero</a:t>
                       </a:r>
                     </a:p>
                   </a:txBody>
@@ -8982,7 +9228,7 @@
                             <a:schemeClr val="tx1"/>
                           </a:solidFill>
                         </a:rPr>
-                        <a:t>26 agosto – 30 agosto</a:t>
+                        <a:t>24 febrero – 28 febrero</a:t>
                       </a:r>
                     </a:p>
                   </a:txBody>
@@ -9149,7 +9395,7 @@
                       <a:pPr algn="ctr"/>
                       <a:r>
                         <a:rPr lang="es-CO" sz="1000" dirty="0"/>
-                        <a:t>2 septiembre – 6 septiembre</a:t>
+                        <a:t>3 marzo – 7 marzo</a:t>
                       </a:r>
                     </a:p>
                   </a:txBody>
@@ -9199,11 +9445,7 @@
                     <a:p>
                       <a:pPr algn="ctr"/>
                       <a:r>
-                        <a:rPr lang="es-CO" sz="1000" dirty="0">
-                          <a:highlight>
-                            <a:srgbClr val="00FF00"/>
-                          </a:highlight>
-                        </a:rPr>
+                        <a:rPr lang="es-CO" sz="1000" dirty="0"/>
                         <a:t>Sistemas discretos de 1er y 2do orden .</a:t>
                       </a:r>
                     </a:p>
@@ -9317,7 +9559,7 @@
                             <a:schemeClr val="tx1"/>
                           </a:solidFill>
                         </a:rPr>
-                        <a:t>9 septiembre – 13 septiembre</a:t>
+                        <a:t>10 marzo – 14 marzo</a:t>
                       </a:r>
                     </a:p>
                   </a:txBody>
@@ -9430,7 +9672,7 @@
                       <a:pPr algn="ctr"/>
                       <a:r>
                         <a:rPr lang="es-CO" sz="1000" dirty="0"/>
-                        <a:t>8</a:t>
+                        <a:t>7</a:t>
                       </a:r>
                     </a:p>
                   </a:txBody>
@@ -9481,7 +9723,7 @@
                       <a:pPr algn="ctr"/>
                       <a:r>
                         <a:rPr lang="es-CO" sz="1000" dirty="0"/>
-                        <a:t> 18 marzo – 22 marzo</a:t>
+                        <a:t> 17 marzo – 21 marzo</a:t>
                       </a:r>
                     </a:p>
                   </a:txBody>
@@ -9590,7 +9832,7 @@
                       <a:pPr algn="ctr"/>
                       <a:r>
                         <a:rPr lang="es-CO" sz="1000" dirty="0"/>
-                        <a:t>9</a:t>
+                        <a:t>8</a:t>
                       </a:r>
                     </a:p>
                   </a:txBody>
@@ -9642,10 +9884,13 @@
                       <a:r>
                         <a:rPr lang="es-CO" sz="1000" dirty="0">
                           <a:solidFill>
-                            <a:schemeClr val="tx1"/>
+                            <a:srgbClr val="FF0000"/>
                           </a:solidFill>
+                          <a:highlight>
+                            <a:srgbClr val="FFFF00"/>
+                          </a:highlight>
                         </a:rPr>
-                        <a:t>16 septiembre – 20 septiembre</a:t>
+                        <a:t>24 marzo – 28 marzo</a:t>
                       </a:r>
                     </a:p>
                   </a:txBody>
@@ -9798,7 +10043,7 @@
                       <a:pPr algn="ctr"/>
                       <a:r>
                         <a:rPr lang="es-CO" sz="1000" dirty="0"/>
-                        <a:t>10</a:t>
+                        <a:t>9</a:t>
                       </a:r>
                     </a:p>
                   </a:txBody>
@@ -9853,7 +10098,7 @@
                             <a:schemeClr val="tx1"/>
                           </a:solidFill>
                         </a:rPr>
-                        <a:t>23 septiembre – 27 septiembre</a:t>
+                        <a:t>31 marzo – 4 abril</a:t>
                       </a:r>
                     </a:p>
                   </a:txBody>
@@ -9967,7 +10212,7 @@
                       <a:pPr algn="ctr"/>
                       <a:r>
                         <a:rPr lang="es-ES" sz="1000" dirty="0"/>
-                        <a:t>11</a:t>
+                        <a:t>10</a:t>
                       </a:r>
                       <a:endParaRPr lang="es-CO" sz="1000" dirty="0"/>
                     </a:p>
@@ -10019,7 +10264,7 @@
                       <a:pPr algn="ctr"/>
                       <a:r>
                         <a:rPr lang="es-CO" sz="1000" dirty="0"/>
-                        <a:t>30 septiembre – 4 octubre</a:t>
+                        <a:t>7 abril – 11 abril</a:t>
                       </a:r>
                     </a:p>
                   </a:txBody>
@@ -10144,7 +10389,7 @@
                       <a:pPr algn="ctr"/>
                       <a:r>
                         <a:rPr lang="es-CO" sz="1000" dirty="0"/>
-                        <a:t>12</a:t>
+                        <a:t>11</a:t>
                       </a:r>
                     </a:p>
                   </a:txBody>
@@ -10196,10 +10441,13 @@
                       <a:r>
                         <a:rPr lang="es-CO" sz="1000" dirty="0">
                           <a:solidFill>
-                            <a:schemeClr val="tx1"/>
+                            <a:srgbClr val="FF0000"/>
                           </a:solidFill>
+                          <a:highlight>
+                            <a:srgbClr val="FFFF00"/>
+                          </a:highlight>
                         </a:rPr>
-                        <a:t>7 octubre – 11 octubre</a:t>
+                        <a:t>14 abril – 18 abril</a:t>
                       </a:r>
                     </a:p>
                   </a:txBody>
@@ -10266,7 +10514,7 @@
                       </a:pPr>
                       <a:r>
                         <a:rPr lang="es-CO" sz="1000" dirty="0"/>
-                        <a:t>El controlador PID</a:t>
+                        <a:t>-</a:t>
                       </a:r>
                     </a:p>
                   </a:txBody>
@@ -10324,7 +10572,7 @@
                       <a:pPr algn="ctr"/>
                       <a:r>
                         <a:rPr lang="es-CO" sz="1000" dirty="0"/>
-                        <a:t>13</a:t>
+                        <a:t>12</a:t>
                       </a:r>
                     </a:p>
                   </a:txBody>
@@ -10376,13 +10624,10 @@
                       <a:r>
                         <a:rPr lang="es-CO" sz="1000" dirty="0">
                           <a:solidFill>
-                            <a:srgbClr val="FF0000"/>
+                            <a:schemeClr val="tx1"/>
                           </a:solidFill>
-                          <a:highlight>
-                            <a:srgbClr val="FFFF00"/>
-                          </a:highlight>
                         </a:rPr>
-                        <a:t>14 octubre – 18 octubre </a:t>
+                        <a:t>21 abril – 25 abril</a:t>
                       </a:r>
                     </a:p>
                   </a:txBody>
@@ -10456,26 +10701,6 @@
                         <a:t>Examen Parcial 2</a:t>
                       </a:r>
                     </a:p>
-                    <a:p>
-                      <a:pPr marL="0" marR="0" lvl="0" indent="0" algn="ctr" defTabSz="685800" rtl="0" eaLnBrk="1" fontAlgn="auto" latinLnBrk="0" hangingPunct="1">
-                        <a:lnSpc>
-                          <a:spcPct val="100000"/>
-                        </a:lnSpc>
-                        <a:spcBef>
-                          <a:spcPts val="0"/>
-                        </a:spcBef>
-                        <a:spcAft>
-                          <a:spcPts val="0"/>
-                        </a:spcAft>
-                        <a:buClrTx/>
-                        <a:buSzTx/>
-                        <a:buFontTx/>
-                        <a:buNone/>
-                        <a:tabLst/>
-                        <a:defRPr/>
-                      </a:pPr>
-                      <a:endParaRPr lang="es-CO" sz="1000" dirty="0"/>
-                    </a:p>
                   </a:txBody>
                   <a:tcPr>
                     <a:lnL w="12700" cap="flat" cmpd="sng" algn="ctr">
@@ -10531,7 +10756,7 @@
                       <a:pPr algn="ctr"/>
                       <a:r>
                         <a:rPr lang="es-CO" sz="1000" dirty="0"/>
-                        <a:t>14</a:t>
+                        <a:t>13</a:t>
                       </a:r>
                     </a:p>
                   </a:txBody>
@@ -10598,7 +10823,203 @@
                       </a:pPr>
                       <a:r>
                         <a:rPr lang="es-CO" sz="1000" dirty="0"/>
-                        <a:t>21 octubre – 25 octubre</a:t>
+                        <a:t>28 abril – 2 mayo</a:t>
+                      </a:r>
+                    </a:p>
+                  </a:txBody>
+                  <a:tcPr>
+                    <a:lnL w="12700" cap="flat" cmpd="sng" algn="ctr">
+                      <a:solidFill>
+                        <a:schemeClr val="tx1"/>
+                      </a:solidFill>
+                      <a:prstDash val="solid"/>
+                      <a:round/>
+                      <a:headEnd type="none" w="med" len="med"/>
+                      <a:tailEnd type="none" w="med" len="med"/>
+                    </a:lnL>
+                    <a:lnR w="12700" cap="flat" cmpd="sng" algn="ctr">
+                      <a:solidFill>
+                        <a:schemeClr val="tx1"/>
+                      </a:solidFill>
+                      <a:prstDash val="solid"/>
+                      <a:round/>
+                      <a:headEnd type="none" w="med" len="med"/>
+                      <a:tailEnd type="none" w="med" len="med"/>
+                    </a:lnR>
+                    <a:lnT w="12700" cap="flat" cmpd="sng" algn="ctr">
+                      <a:solidFill>
+                        <a:schemeClr val="tx1"/>
+                      </a:solidFill>
+                      <a:prstDash val="solid"/>
+                      <a:round/>
+                      <a:headEnd type="none" w="med" len="med"/>
+                      <a:tailEnd type="none" w="med" len="med"/>
+                    </a:lnT>
+                    <a:lnB w="12700" cap="flat" cmpd="sng" algn="ctr">
+                      <a:solidFill>
+                        <a:schemeClr val="tx1"/>
+                      </a:solidFill>
+                      <a:prstDash val="solid"/>
+                      <a:round/>
+                      <a:headEnd type="none" w="med" len="med"/>
+                      <a:tailEnd type="none" w="med" len="med"/>
+                    </a:lnB>
+                  </a:tcPr>
+                </a:tc>
+                <a:tc>
+                  <a:txBody>
+                    <a:bodyPr/>
+                    <a:lstStyle/>
+                    <a:p>
+                      <a:pPr marL="0" marR="0" lvl="0" indent="0" algn="ctr" defTabSz="685800" rtl="0" eaLnBrk="1" fontAlgn="auto" latinLnBrk="0" hangingPunct="1">
+                        <a:lnSpc>
+                          <a:spcPct val="100000"/>
+                        </a:lnSpc>
+                        <a:spcBef>
+                          <a:spcPts val="0"/>
+                        </a:spcBef>
+                        <a:spcAft>
+                          <a:spcPts val="0"/>
+                        </a:spcAft>
+                        <a:buClrTx/>
+                        <a:buSzTx/>
+                        <a:buFontTx/>
+                        <a:buNone/>
+                        <a:tabLst/>
+                        <a:defRPr/>
+                      </a:pPr>
+                      <a:r>
+                        <a:rPr lang="es-CO" sz="1000" dirty="0"/>
+                        <a:t>El controlador PID</a:t>
+                      </a:r>
+                    </a:p>
+                  </a:txBody>
+                  <a:tcPr>
+                    <a:lnL w="12700" cap="flat" cmpd="sng" algn="ctr">
+                      <a:solidFill>
+                        <a:schemeClr val="tx1"/>
+                      </a:solidFill>
+                      <a:prstDash val="solid"/>
+                      <a:round/>
+                      <a:headEnd type="none" w="med" len="med"/>
+                      <a:tailEnd type="none" w="med" len="med"/>
+                    </a:lnL>
+                    <a:lnR w="12700" cap="flat" cmpd="sng" algn="ctr">
+                      <a:solidFill>
+                        <a:schemeClr val="tx1"/>
+                      </a:solidFill>
+                      <a:prstDash val="solid"/>
+                      <a:round/>
+                      <a:headEnd type="none" w="med" len="med"/>
+                      <a:tailEnd type="none" w="med" len="med"/>
+                    </a:lnR>
+                    <a:lnT w="12700" cap="flat" cmpd="sng" algn="ctr">
+                      <a:solidFill>
+                        <a:schemeClr val="tx1"/>
+                      </a:solidFill>
+                      <a:prstDash val="solid"/>
+                      <a:round/>
+                      <a:headEnd type="none" w="med" len="med"/>
+                      <a:tailEnd type="none" w="med" len="med"/>
+                    </a:lnT>
+                    <a:lnB w="12700" cap="flat" cmpd="sng" algn="ctr">
+                      <a:solidFill>
+                        <a:schemeClr val="tx1"/>
+                      </a:solidFill>
+                      <a:prstDash val="solid"/>
+                      <a:round/>
+                      <a:headEnd type="none" w="med" len="med"/>
+                      <a:tailEnd type="none" w="med" len="med"/>
+                    </a:lnB>
+                  </a:tcPr>
+                </a:tc>
+                <a:extLst>
+                  <a:ext uri="{0D108BD9-81ED-4DB2-BD59-A6C34878D82A}">
+                    <a16:rowId xmlns:a16="http://schemas.microsoft.com/office/drawing/2014/main" val="3127511249"/>
+                  </a:ext>
+                </a:extLst>
+              </a:tr>
+              <a:tr h="212463">
+                <a:tc>
+                  <a:txBody>
+                    <a:bodyPr/>
+                    <a:lstStyle/>
+                    <a:p>
+                      <a:pPr algn="ctr"/>
+                      <a:r>
+                        <a:rPr lang="es-ES" sz="1000" dirty="0"/>
+                        <a:t>14</a:t>
+                      </a:r>
+                    </a:p>
+                  </a:txBody>
+                  <a:tcPr>
+                    <a:lnL w="12700" cap="flat" cmpd="sng" algn="ctr">
+                      <a:solidFill>
+                        <a:schemeClr val="tx1"/>
+                      </a:solidFill>
+                      <a:prstDash val="solid"/>
+                      <a:round/>
+                      <a:headEnd type="none" w="med" len="med"/>
+                      <a:tailEnd type="none" w="med" len="med"/>
+                    </a:lnL>
+                    <a:lnR w="12700" cap="flat" cmpd="sng" algn="ctr">
+                      <a:solidFill>
+                        <a:schemeClr val="tx1"/>
+                      </a:solidFill>
+                      <a:prstDash val="solid"/>
+                      <a:round/>
+                      <a:headEnd type="none" w="med" len="med"/>
+                      <a:tailEnd type="none" w="med" len="med"/>
+                    </a:lnR>
+                    <a:lnT w="12700" cap="flat" cmpd="sng" algn="ctr">
+                      <a:solidFill>
+                        <a:schemeClr val="tx1"/>
+                      </a:solidFill>
+                      <a:prstDash val="solid"/>
+                      <a:round/>
+                      <a:headEnd type="none" w="med" len="med"/>
+                      <a:tailEnd type="none" w="med" len="med"/>
+                    </a:lnT>
+                    <a:lnB w="12700" cap="flat" cmpd="sng" algn="ctr">
+                      <a:solidFill>
+                        <a:schemeClr val="tx1"/>
+                      </a:solidFill>
+                      <a:prstDash val="solid"/>
+                      <a:round/>
+                      <a:headEnd type="none" w="med" len="med"/>
+                      <a:tailEnd type="none" w="med" len="med"/>
+                    </a:lnB>
+                  </a:tcPr>
+                </a:tc>
+                <a:tc>
+                  <a:txBody>
+                    <a:bodyPr/>
+                    <a:lstStyle/>
+                    <a:p>
+                      <a:pPr marL="0" marR="0" lvl="0" indent="0" algn="ctr" defTabSz="914400" rtl="0" eaLnBrk="1" fontAlgn="auto" latinLnBrk="0" hangingPunct="1">
+                        <a:lnSpc>
+                          <a:spcPct val="100000"/>
+                        </a:lnSpc>
+                        <a:spcBef>
+                          <a:spcPts val="0"/>
+                        </a:spcBef>
+                        <a:spcAft>
+                          <a:spcPts val="0"/>
+                        </a:spcAft>
+                        <a:buClrTx/>
+                        <a:buSzTx/>
+                        <a:buFontTx/>
+                        <a:buNone/>
+                        <a:tabLst/>
+                        <a:defRPr/>
+                      </a:pPr>
+                      <a:r>
+                        <a:rPr lang="es-CO" sz="1000" dirty="0">
+                          <a:solidFill>
+                            <a:schemeClr val="tx1"/>
+                          </a:solidFill>
+                        </a:rPr>
+                        <a:t>5 mayo – 9 mayo</a:t>
                       </a:r>
                     </a:p>
                   </a:txBody>
@@ -10710,11 +11131,11 @@
                 </a:tc>
                 <a:extLst>
                   <a:ext uri="{0D108BD9-81ED-4DB2-BD59-A6C34878D82A}">
-                    <a16:rowId xmlns:a16="http://schemas.microsoft.com/office/drawing/2014/main" val="3127511249"/>
+                    <a16:rowId xmlns:a16="http://schemas.microsoft.com/office/drawing/2014/main" val="1978658262"/>
                   </a:ext>
                 </a:extLst>
               </a:tr>
-              <a:tr h="212463">
+              <a:tr h="269131">
                 <a:tc>
                   <a:txBody>
                     <a:bodyPr/>
@@ -10725,6 +11146,7 @@
                         <a:rPr lang="es-ES" sz="1000" dirty="0"/>
                         <a:t>15</a:t>
                       </a:r>
+                      <a:endParaRPr lang="es-CO" sz="1000" dirty="0"/>
                     </a:p>
                   </a:txBody>
                   <a:tcPr>
@@ -10794,7 +11216,7 @@
                             <a:schemeClr val="tx1"/>
                           </a:solidFill>
                         </a:rPr>
-                        <a:t>28 octubre – 1 noviembre</a:t>
+                        <a:t>12 mayo – 16 mayo</a:t>
                       </a:r>
                     </a:p>
                   </a:txBody>
@@ -10906,7 +11328,7 @@
                 </a:tc>
                 <a:extLst>
                   <a:ext uri="{0D108BD9-81ED-4DB2-BD59-A6C34878D82A}">
-                    <a16:rowId xmlns:a16="http://schemas.microsoft.com/office/drawing/2014/main" val="1978658262"/>
+                    <a16:rowId xmlns:a16="http://schemas.microsoft.com/office/drawing/2014/main" val="1088546271"/>
                   </a:ext>
                 </a:extLst>
               </a:tr>
@@ -10968,33 +11390,14 @@
                     <a:bodyPr/>
                     <a:lstStyle/>
                     <a:p>
-                      <a:pPr marL="0" marR="0" lvl="0" indent="0" algn="ctr" defTabSz="914400" rtl="0" eaLnBrk="1" fontAlgn="auto" latinLnBrk="0" hangingPunct="1">
-                        <a:lnSpc>
-                          <a:spcPct val="100000"/>
-                        </a:lnSpc>
-                        <a:spcBef>
-                          <a:spcPts val="0"/>
-                        </a:spcBef>
-                        <a:spcAft>
-                          <a:spcPts val="0"/>
-                        </a:spcAft>
-                        <a:buClrTx/>
-                        <a:buSzTx/>
-                        <a:buFontTx/>
-                        <a:buNone/>
-                        <a:tabLst/>
-                        <a:defRPr/>
-                      </a:pPr>
+                      <a:pPr algn="ctr"/>
                       <a:r>
                         <a:rPr lang="es-CO" sz="1000" dirty="0">
                           <a:solidFill>
-                            <a:srgbClr val="FF0000"/>
+                            <a:schemeClr val="tx1"/>
                           </a:solidFill>
-                          <a:highlight>
-                            <a:srgbClr val="FFFF00"/>
-                          </a:highlight>
                         </a:rPr>
-                        <a:t>4 noviembre – 11 noviembre</a:t>
+                        <a:t>19 mayo – 23 mayo</a:t>
                       </a:r>
                     </a:p>
                   </a:txBody>
@@ -11059,7 +11462,11 @@
                         <a:tabLst/>
                         <a:defRPr/>
                       </a:pPr>
-                      <a:endParaRPr lang="es-CO" sz="1000" dirty="0"/>
+                      <a:endParaRPr lang="es-CO" sz="1000" b="1" u="sng" dirty="0">
+                        <a:solidFill>
+                          <a:srgbClr val="C00000"/>
+                        </a:solidFill>
+                      </a:endParaRPr>
                     </a:p>
                   </a:txBody>
                   <a:tcPr>
@@ -11103,7 +11510,7 @@
                 </a:tc>
                 <a:extLst>
                   <a:ext uri="{0D108BD9-81ED-4DB2-BD59-A6C34878D82A}">
-                    <a16:rowId xmlns:a16="http://schemas.microsoft.com/office/drawing/2014/main" val="1088546271"/>
+                    <a16:rowId xmlns:a16="http://schemas.microsoft.com/office/drawing/2014/main" val="2357030376"/>
                   </a:ext>
                 </a:extLst>
               </a:tr>
@@ -11169,198 +11576,10 @@
                       <a:r>
                         <a:rPr lang="es-CO" sz="1000" dirty="0">
                           <a:solidFill>
-                            <a:srgbClr val="FF0000"/>
-                          </a:solidFill>
-                          <a:highlight>
-                            <a:srgbClr val="FFFF00"/>
-                          </a:highlight>
-                        </a:rPr>
-                        <a:t>11 noviembre – 15 noviembre </a:t>
-                      </a:r>
-                    </a:p>
-                  </a:txBody>
-                  <a:tcPr>
-                    <a:lnL w="12700" cap="flat" cmpd="sng" algn="ctr">
-                      <a:solidFill>
-                        <a:schemeClr val="tx1"/>
-                      </a:solidFill>
-                      <a:prstDash val="solid"/>
-                      <a:round/>
-                      <a:headEnd type="none" w="med" len="med"/>
-                      <a:tailEnd type="none" w="med" len="med"/>
-                    </a:lnL>
-                    <a:lnR w="12700" cap="flat" cmpd="sng" algn="ctr">
-                      <a:solidFill>
-                        <a:schemeClr val="tx1"/>
-                      </a:solidFill>
-                      <a:prstDash val="solid"/>
-                      <a:round/>
-                      <a:headEnd type="none" w="med" len="med"/>
-                      <a:tailEnd type="none" w="med" len="med"/>
-                    </a:lnR>
-                    <a:lnT w="12700" cap="flat" cmpd="sng" algn="ctr">
-                      <a:solidFill>
-                        <a:schemeClr val="tx1"/>
-                      </a:solidFill>
-                      <a:prstDash val="solid"/>
-                      <a:round/>
-                      <a:headEnd type="none" w="med" len="med"/>
-                      <a:tailEnd type="none" w="med" len="med"/>
-                    </a:lnT>
-                    <a:lnB w="12700" cap="flat" cmpd="sng" algn="ctr">
-                      <a:solidFill>
-                        <a:schemeClr val="tx1"/>
-                      </a:solidFill>
-                      <a:prstDash val="solid"/>
-                      <a:round/>
-                      <a:headEnd type="none" w="med" len="med"/>
-                      <a:tailEnd type="none" w="med" len="med"/>
-                    </a:lnB>
-                  </a:tcPr>
-                </a:tc>
-                <a:tc>
-                  <a:txBody>
-                    <a:bodyPr/>
-                    <a:lstStyle/>
-                    <a:p>
-                      <a:pPr marL="0" marR="0" lvl="0" indent="0" algn="ctr" defTabSz="685800" rtl="0" eaLnBrk="1" fontAlgn="auto" latinLnBrk="0" hangingPunct="1">
-                        <a:lnSpc>
-                          <a:spcPct val="100000"/>
-                        </a:lnSpc>
-                        <a:spcBef>
-                          <a:spcPts val="0"/>
-                        </a:spcBef>
-                        <a:spcAft>
-                          <a:spcPts val="0"/>
-                        </a:spcAft>
-                        <a:buClrTx/>
-                        <a:buSzTx/>
-                        <a:buFontTx/>
-                        <a:buNone/>
-                        <a:tabLst/>
-                        <a:defRPr/>
-                      </a:pPr>
-                      <a:r>
-                        <a:rPr lang="es-CO" sz="1000" b="1" u="sng" dirty="0">
-                          <a:solidFill>
-                            <a:srgbClr val="C00000"/>
-                          </a:solidFill>
-                        </a:rPr>
-                        <a:t>-</a:t>
-                      </a:r>
-                    </a:p>
-                  </a:txBody>
-                  <a:tcPr>
-                    <a:lnL w="12700" cap="flat" cmpd="sng" algn="ctr">
-                      <a:solidFill>
-                        <a:schemeClr val="tx1"/>
-                      </a:solidFill>
-                      <a:prstDash val="solid"/>
-                      <a:round/>
-                      <a:headEnd type="none" w="med" len="med"/>
-                      <a:tailEnd type="none" w="med" len="med"/>
-                    </a:lnL>
-                    <a:lnR w="12700" cap="flat" cmpd="sng" algn="ctr">
-                      <a:solidFill>
-                        <a:schemeClr val="tx1"/>
-                      </a:solidFill>
-                      <a:prstDash val="solid"/>
-                      <a:round/>
-                      <a:headEnd type="none" w="med" len="med"/>
-                      <a:tailEnd type="none" w="med" len="med"/>
-                    </a:lnR>
-                    <a:lnT w="12700" cap="flat" cmpd="sng" algn="ctr">
-                      <a:solidFill>
-                        <a:schemeClr val="tx1"/>
-                      </a:solidFill>
-                      <a:prstDash val="solid"/>
-                      <a:round/>
-                      <a:headEnd type="none" w="med" len="med"/>
-                      <a:tailEnd type="none" w="med" len="med"/>
-                    </a:lnT>
-                    <a:lnB w="12700" cap="flat" cmpd="sng" algn="ctr">
-                      <a:solidFill>
-                        <a:schemeClr val="tx1"/>
-                      </a:solidFill>
-                      <a:prstDash val="solid"/>
-                      <a:round/>
-                      <a:headEnd type="none" w="med" len="med"/>
-                      <a:tailEnd type="none" w="med" len="med"/>
-                    </a:lnB>
-                  </a:tcPr>
-                </a:tc>
-                <a:extLst>
-                  <a:ext uri="{0D108BD9-81ED-4DB2-BD59-A6C34878D82A}">
-                    <a16:rowId xmlns:a16="http://schemas.microsoft.com/office/drawing/2014/main" val="2357030376"/>
-                  </a:ext>
-                </a:extLst>
-              </a:tr>
-              <a:tr h="269131">
-                <a:tc>
-                  <a:txBody>
-                    <a:bodyPr/>
-                    <a:lstStyle/>
-                    <a:p>
-                      <a:pPr algn="ctr"/>
-                      <a:r>
-                        <a:rPr lang="es-ES" sz="1000" dirty="0"/>
-                        <a:t>18</a:t>
-                      </a:r>
-                      <a:endParaRPr lang="es-CO" sz="1000" dirty="0"/>
-                    </a:p>
-                  </a:txBody>
-                  <a:tcPr>
-                    <a:lnL w="12700" cap="flat" cmpd="sng" algn="ctr">
-                      <a:solidFill>
-                        <a:schemeClr val="tx1"/>
-                      </a:solidFill>
-                      <a:prstDash val="solid"/>
-                      <a:round/>
-                      <a:headEnd type="none" w="med" len="med"/>
-                      <a:tailEnd type="none" w="med" len="med"/>
-                    </a:lnL>
-                    <a:lnR w="12700" cap="flat" cmpd="sng" algn="ctr">
-                      <a:solidFill>
-                        <a:schemeClr val="tx1"/>
-                      </a:solidFill>
-                      <a:prstDash val="solid"/>
-                      <a:round/>
-                      <a:headEnd type="none" w="med" len="med"/>
-                      <a:tailEnd type="none" w="med" len="med"/>
-                    </a:lnR>
-                    <a:lnT w="12700" cap="flat" cmpd="sng" algn="ctr">
-                      <a:solidFill>
-                        <a:schemeClr val="tx1"/>
-                      </a:solidFill>
-                      <a:prstDash val="solid"/>
-                      <a:round/>
-                      <a:headEnd type="none" w="med" len="med"/>
-                      <a:tailEnd type="none" w="med" len="med"/>
-                    </a:lnT>
-                    <a:lnB w="12700" cap="flat" cmpd="sng" algn="ctr">
-                      <a:solidFill>
-                        <a:schemeClr val="tx1"/>
-                      </a:solidFill>
-                      <a:prstDash val="solid"/>
-                      <a:round/>
-                      <a:headEnd type="none" w="med" len="med"/>
-                      <a:tailEnd type="none" w="med" len="med"/>
-                    </a:lnB>
-                  </a:tcPr>
-                </a:tc>
-                <a:tc>
-                  <a:txBody>
-                    <a:bodyPr/>
-                    <a:lstStyle/>
-                    <a:p>
-                      <a:pPr algn="ctr"/>
-                      <a:r>
-                        <a:rPr lang="es-CO" sz="1000" dirty="0">
-                          <a:solidFill>
                             <a:schemeClr val="tx1"/>
                           </a:solidFill>
                         </a:rPr>
-                        <a:t>18 noviembre – 22 noviembre</a:t>
+                        <a:t>26 mayo – 30 mayo</a:t>
                       </a:r>
                     </a:p>
                   </a:txBody>
@@ -11470,7 +11689,7 @@
                       <a:pPr algn="ctr"/>
                       <a:r>
                         <a:rPr lang="es-CO" sz="1000" dirty="0"/>
-                        <a:t>19</a:t>
+                        <a:t>18</a:t>
                       </a:r>
                     </a:p>
                   </a:txBody>
@@ -11522,10 +11741,13 @@
                       <a:r>
                         <a:rPr lang="es-CO" sz="1000" dirty="0">
                           <a:solidFill>
-                            <a:schemeClr val="tx1"/>
+                            <a:srgbClr val="FF0000"/>
                           </a:solidFill>
+                          <a:highlight>
+                            <a:srgbClr val="FFFF00"/>
+                          </a:highlight>
                         </a:rPr>
-                        <a:t>25 noviembre – 29 noviembre</a:t>
+                        <a:t>2 junio – 6 junio </a:t>
                       </a:r>
                     </a:p>
                   </a:txBody>
@@ -11599,30 +11821,6 @@
                         <a:t>Examen Final</a:t>
                       </a:r>
                     </a:p>
-                    <a:p>
-                      <a:pPr marL="0" marR="0" lvl="0" indent="0" algn="ctr" defTabSz="685800" rtl="0" eaLnBrk="1" fontAlgn="auto" latinLnBrk="0" hangingPunct="1">
-                        <a:lnSpc>
-                          <a:spcPct val="100000"/>
-                        </a:lnSpc>
-                        <a:spcBef>
-                          <a:spcPts val="0"/>
-                        </a:spcBef>
-                        <a:spcAft>
-                          <a:spcPts val="0"/>
-                        </a:spcAft>
-                        <a:buClrTx/>
-                        <a:buSzTx/>
-                        <a:buFontTx/>
-                        <a:buNone/>
-                        <a:tabLst/>
-                        <a:defRPr/>
-                      </a:pPr>
-                      <a:endParaRPr lang="es-CO" sz="1000" b="1" u="sng" dirty="0">
-                        <a:solidFill>
-                          <a:srgbClr val="C00000"/>
-                        </a:solidFill>
-                      </a:endParaRPr>
-                    </a:p>
                   </a:txBody>
                   <a:tcPr>
                     <a:lnL w="12700" cap="flat" cmpd="sng" algn="ctr">
@@ -11673,224 +11871,6 @@
           </a:graphicData>
         </a:graphic>
       </p:graphicFrame>
-      <p:sp>
-        <p:nvSpPr>
-          <p:cNvPr id="3" name="Rectángulo 9">
-            <a:extLst>
-              <a:ext uri="{FF2B5EF4-FFF2-40B4-BE49-F238E27FC236}">
-                <a16:creationId xmlns:a16="http://schemas.microsoft.com/office/drawing/2014/main" id="{B1995D40-73A6-142A-D432-9B2655AFF759}"/>
-              </a:ext>
-            </a:extLst>
-          </p:cNvPr>
-          <p:cNvSpPr>
-            <a:spLocks noChangeArrowheads="1"/>
-          </p:cNvSpPr>
-          <p:nvPr/>
-        </p:nvSpPr>
-        <p:spPr bwMode="auto">
-          <a:xfrm>
-            <a:off x="4464453" y="6431465"/>
-            <a:ext cx="4010025" cy="461665"/>
-          </a:xfrm>
-          <a:prstGeom prst="rect">
-            <a:avLst/>
-          </a:prstGeom>
-          <a:noFill/>
-          <a:ln>
-            <a:noFill/>
-          </a:ln>
-          <a:extLst>
-            <a:ext uri="{909E8E84-426E-40DD-AFC4-6F175D3DCCD1}">
-              <a14:hiddenFill xmlns:a14="http://schemas.microsoft.com/office/drawing/2010/main">
-                <a:solidFill>
-                  <a:srgbClr val="FFFFFF"/>
-                </a:solidFill>
-              </a14:hiddenFill>
-            </a:ext>
-            <a:ext uri="{91240B29-F687-4F45-9708-019B960494DF}">
-              <a14:hiddenLine xmlns:a14="http://schemas.microsoft.com/office/drawing/2010/main" w="9525">
-                <a:solidFill>
-                  <a:srgbClr val="000000"/>
-                </a:solidFill>
-                <a:miter lim="800000"/>
-                <a:headEnd/>
-                <a:tailEnd/>
-              </a14:hiddenLine>
-            </a:ext>
-          </a:extLst>
-        </p:spPr>
-        <p:txBody>
-          <a:bodyPr>
-            <a:spAutoFit/>
-          </a:bodyPr>
-          <a:lstStyle>
-            <a:lvl1pPr>
-              <a:spcBef>
-                <a:spcPct val="20000"/>
-              </a:spcBef>
-              <a:buFont typeface="Arial" panose="020B0604020202020204" pitchFamily="34" charset="0"/>
-              <a:buChar char="•"/>
-              <a:defRPr sz="3200">
-                <a:solidFill>
-                  <a:schemeClr val="tx1"/>
-                </a:solidFill>
-                <a:latin typeface="Arial" panose="020B0604020202020204" pitchFamily="34" charset="0"/>
-                <a:cs typeface="Arial" panose="020B0604020202020204" pitchFamily="34" charset="0"/>
-              </a:defRPr>
-            </a:lvl1pPr>
-            <a:lvl2pPr marL="742950" indent="-285750">
-              <a:spcBef>
-                <a:spcPct val="20000"/>
-              </a:spcBef>
-              <a:buFont typeface="Arial" panose="020B0604020202020204" pitchFamily="34" charset="0"/>
-              <a:buChar char="–"/>
-              <a:defRPr sz="2800">
-                <a:solidFill>
-                  <a:schemeClr val="tx1"/>
-                </a:solidFill>
-                <a:latin typeface="Arial" panose="020B0604020202020204" pitchFamily="34" charset="0"/>
-                <a:cs typeface="Arial" panose="020B0604020202020204" pitchFamily="34" charset="0"/>
-              </a:defRPr>
-            </a:lvl2pPr>
-            <a:lvl3pPr marL="1143000" indent="-228600">
-              <a:spcBef>
-                <a:spcPct val="20000"/>
-              </a:spcBef>
-              <a:buFont typeface="Arial" panose="020B0604020202020204" pitchFamily="34" charset="0"/>
-              <a:buChar char="•"/>
-              <a:defRPr sz="2400">
-                <a:solidFill>
-                  <a:schemeClr val="tx1"/>
-                </a:solidFill>
-                <a:latin typeface="Arial" panose="020B0604020202020204" pitchFamily="34" charset="0"/>
-                <a:cs typeface="Arial" panose="020B0604020202020204" pitchFamily="34" charset="0"/>
-              </a:defRPr>
-            </a:lvl3pPr>
-            <a:lvl4pPr marL="1600200" indent="-228600">
-              <a:spcBef>
-                <a:spcPct val="20000"/>
-              </a:spcBef>
-              <a:buFont typeface="Arial" panose="020B0604020202020204" pitchFamily="34" charset="0"/>
-              <a:buChar char="–"/>
-              <a:defRPr sz="2000">
-                <a:solidFill>
-                  <a:schemeClr val="tx1"/>
-                </a:solidFill>
-                <a:latin typeface="Arial" panose="020B0604020202020204" pitchFamily="34" charset="0"/>
-                <a:cs typeface="Arial" panose="020B0604020202020204" pitchFamily="34" charset="0"/>
-              </a:defRPr>
-            </a:lvl4pPr>
-            <a:lvl5pPr marL="2057400" indent="-228600">
-              <a:spcBef>
-                <a:spcPct val="20000"/>
-              </a:spcBef>
-              <a:buFont typeface="Arial" panose="020B0604020202020204" pitchFamily="34" charset="0"/>
-              <a:buChar char="»"/>
-              <a:defRPr sz="2000">
-                <a:solidFill>
-                  <a:schemeClr val="tx1"/>
-                </a:solidFill>
-                <a:latin typeface="Arial" panose="020B0604020202020204" pitchFamily="34" charset="0"/>
-                <a:cs typeface="Arial" panose="020B0604020202020204" pitchFamily="34" charset="0"/>
-              </a:defRPr>
-            </a:lvl5pPr>
-            <a:lvl6pPr marL="2514600" indent="-228600" eaLnBrk="0" fontAlgn="base" hangingPunct="0">
-              <a:spcBef>
-                <a:spcPct val="20000"/>
-              </a:spcBef>
-              <a:spcAft>
-                <a:spcPct val="0"/>
-              </a:spcAft>
-              <a:buFont typeface="Arial" panose="020B0604020202020204" pitchFamily="34" charset="0"/>
-              <a:buChar char="»"/>
-              <a:defRPr sz="2000">
-                <a:solidFill>
-                  <a:schemeClr val="tx1"/>
-                </a:solidFill>
-                <a:latin typeface="Arial" panose="020B0604020202020204" pitchFamily="34" charset="0"/>
-                <a:cs typeface="Arial" panose="020B0604020202020204" pitchFamily="34" charset="0"/>
-              </a:defRPr>
-            </a:lvl6pPr>
-            <a:lvl7pPr marL="2971800" indent="-228600" eaLnBrk="0" fontAlgn="base" hangingPunct="0">
-              <a:spcBef>
-                <a:spcPct val="20000"/>
-              </a:spcBef>
-              <a:spcAft>
-                <a:spcPct val="0"/>
-              </a:spcAft>
-              <a:buFont typeface="Arial" panose="020B0604020202020204" pitchFamily="34" charset="0"/>
-              <a:buChar char="»"/>
-              <a:defRPr sz="2000">
-                <a:solidFill>
-                  <a:schemeClr val="tx1"/>
-                </a:solidFill>
-                <a:latin typeface="Arial" panose="020B0604020202020204" pitchFamily="34" charset="0"/>
-                <a:cs typeface="Arial" panose="020B0604020202020204" pitchFamily="34" charset="0"/>
-              </a:defRPr>
-            </a:lvl7pPr>
-            <a:lvl8pPr marL="3429000" indent="-228600" eaLnBrk="0" fontAlgn="base" hangingPunct="0">
-              <a:spcBef>
-                <a:spcPct val="20000"/>
-              </a:spcBef>
-              <a:spcAft>
-                <a:spcPct val="0"/>
-              </a:spcAft>
-              <a:buFont typeface="Arial" panose="020B0604020202020204" pitchFamily="34" charset="0"/>
-              <a:buChar char="»"/>
-              <a:defRPr sz="2000">
-                <a:solidFill>
-                  <a:schemeClr val="tx1"/>
-                </a:solidFill>
-                <a:latin typeface="Arial" panose="020B0604020202020204" pitchFamily="34" charset="0"/>
-                <a:cs typeface="Arial" panose="020B0604020202020204" pitchFamily="34" charset="0"/>
-              </a:defRPr>
-            </a:lvl8pPr>
-            <a:lvl9pPr marL="3886200" indent="-228600" eaLnBrk="0" fontAlgn="base" hangingPunct="0">
-              <a:spcBef>
-                <a:spcPct val="20000"/>
-              </a:spcBef>
-              <a:spcAft>
-                <a:spcPct val="0"/>
-              </a:spcAft>
-              <a:buFont typeface="Arial" panose="020B0604020202020204" pitchFamily="34" charset="0"/>
-              <a:buChar char="»"/>
-              <a:defRPr sz="2000">
-                <a:solidFill>
-                  <a:schemeClr val="tx1"/>
-                </a:solidFill>
-                <a:latin typeface="Arial" panose="020B0604020202020204" pitchFamily="34" charset="0"/>
-                <a:cs typeface="Arial" panose="020B0604020202020204" pitchFamily="34" charset="0"/>
-              </a:defRPr>
-            </a:lvl9pPr>
-          </a:lstStyle>
-          <a:p>
-            <a:pPr algn="ctr">
-              <a:spcBef>
-                <a:spcPct val="0"/>
-              </a:spcBef>
-              <a:buFontTx/>
-              <a:buNone/>
-            </a:pPr>
-            <a:r>
-              <a:rPr lang="es-CO" altLang="es-CO" sz="1200" dirty="0"/>
-              <a:t> Martes:       18:10 - 20:00</a:t>
-            </a:r>
-          </a:p>
-          <a:p>
-            <a:pPr algn="ctr">
-              <a:spcBef>
-                <a:spcPct val="0"/>
-              </a:spcBef>
-              <a:buFontTx/>
-              <a:buNone/>
-            </a:pPr>
-            <a:r>
-              <a:rPr lang="es-CO" altLang="es-CO" sz="1200" dirty="0"/>
-              <a:t> Martes:      20:20 – 21:30</a:t>
-            </a:r>
-          </a:p>
-        </p:txBody>
-      </p:sp>
     </p:spTree>
     <p:extLst>
       <p:ext uri="{BB962C8B-B14F-4D97-AF65-F5344CB8AC3E}">
@@ -14012,23 +13992,6 @@
 </file>
 
 <file path=customXml/item1.xml><?xml version="1.0" encoding="utf-8"?>
-<?mso-contentType ?>
-<FormTemplates xmlns="http://schemas.microsoft.com/sharepoint/v3/contenttype/forms">
-  <Display>DocumentLibraryForm</Display>
-  <Edit>DocumentLibraryForm</Edit>
-  <New>DocumentLibraryForm</New>
-</FormTemplates>
-</file>
-
-<file path=customXml/item2.xml><?xml version="1.0" encoding="utf-8"?>
-<p:properties xmlns:p="http://schemas.microsoft.com/office/2006/metadata/properties" xmlns:xsi="http://www.w3.org/2001/XMLSchema-instance" xmlns:pc="http://schemas.microsoft.com/office/infopath/2007/PartnerControls">
-  <documentManagement>
-    <_activity xmlns="bdc56f61-abc0-4f7e-bfec-a93ccd1ae886" xsi:nil="true"/>
-  </documentManagement>
-</p:properties>
-</file>
-
-<file path=customXml/item3.xml><?xml version="1.0" encoding="utf-8"?>
 <ct:contentTypeSchema xmlns:ct="http://schemas.microsoft.com/office/2006/metadata/contentType" xmlns:ma="http://schemas.microsoft.com/office/2006/metadata/properties/metaAttributes" ct:_="" ma:_="" ma:contentTypeName="Documento" ma:contentTypeID="0x0101007A62137D465CE64A8C883A4664514BF8" ma:contentTypeVersion="15" ma:contentTypeDescription="Crear nuevo documento." ma:contentTypeScope="" ma:versionID="a1bd1d59f691eb9bca6952b111268275">
   <xsd:schema xmlns:xsd="http://www.w3.org/2001/XMLSchema" xmlns:xs="http://www.w3.org/2001/XMLSchema" xmlns:p="http://schemas.microsoft.com/office/2006/metadata/properties" xmlns:ns3="669280c1-d17e-4d1d-bd7f-b4f14cc6bf1d" xmlns:ns4="bdc56f61-abc0-4f7e-bfec-a93ccd1ae886" targetNamespace="http://schemas.microsoft.com/office/2006/metadata/properties" ma:root="true" ma:fieldsID="d02990a02f19f0f9fc7b999b1809cae4" ns3:_="" ns4:_="">
     <xsd:import namespace="669280c1-d17e-4d1d-bd7f-b4f14cc6bf1d"/>
@@ -14263,10 +14226,38 @@
 </ct:contentTypeSchema>
 </file>
 
+<file path=customXml/item2.xml><?xml version="1.0" encoding="utf-8"?>
+<p:properties xmlns:p="http://schemas.microsoft.com/office/2006/metadata/properties" xmlns:xsi="http://www.w3.org/2001/XMLSchema-instance" xmlns:pc="http://schemas.microsoft.com/office/infopath/2007/PartnerControls">
+  <documentManagement>
+    <_activity xmlns="bdc56f61-abc0-4f7e-bfec-a93ccd1ae886" xsi:nil="true"/>
+  </documentManagement>
+</p:properties>
+</file>
+
+<file path=customXml/item3.xml><?xml version="1.0" encoding="utf-8"?>
+<?mso-contentType ?>
+<FormTemplates xmlns="http://schemas.microsoft.com/sharepoint/v3/contenttype/forms">
+  <Display>DocumentLibraryForm</Display>
+  <Edit>DocumentLibraryForm</Edit>
+  <New>DocumentLibraryForm</New>
+</FormTemplates>
+</file>
+
 <file path=customXml/itemProps1.xml><?xml version="1.0" encoding="utf-8"?>
-<ds:datastoreItem xmlns:ds="http://schemas.openxmlformats.org/officeDocument/2006/customXml" ds:itemID="{4E8623C8-32E1-48B0-9F0A-13F2E9582B7E}">
+<ds:datastoreItem xmlns:ds="http://schemas.openxmlformats.org/officeDocument/2006/customXml" ds:itemID="{025820C3-FD82-4EFC-BF14-EAF1F9613F52}">
   <ds:schemaRefs>
-    <ds:schemaRef ds:uri="http://schemas.microsoft.com/sharepoint/v3/contenttype/forms"/>
+    <ds:schemaRef ds:uri="669280c1-d17e-4d1d-bd7f-b4f14cc6bf1d"/>
+    <ds:schemaRef ds:uri="bdc56f61-abc0-4f7e-bfec-a93ccd1ae886"/>
+    <ds:schemaRef ds:uri="http://purl.org/dc/elements/1.1/"/>
+    <ds:schemaRef ds:uri="http://purl.org/dc/terms/"/>
+    <ds:schemaRef ds:uri="http://schemas.microsoft.com/internal/obd"/>
+    <ds:schemaRef ds:uri="http://schemas.microsoft.com/office/2006/documentManagement/types"/>
+    <ds:schemaRef ds:uri="http://schemas.microsoft.com/office/2006/metadata/contentType"/>
+    <ds:schemaRef ds:uri="http://schemas.microsoft.com/office/2006/metadata/properties"/>
+    <ds:schemaRef ds:uri="http://schemas.microsoft.com/office/2006/metadata/properties/metaAttributes"/>
+    <ds:schemaRef ds:uri="http://schemas.microsoft.com/office/infopath/2007/PartnerControls"/>
+    <ds:schemaRef ds:uri="http://schemas.openxmlformats.org/package/2006/metadata/core-properties"/>
+    <ds:schemaRef ds:uri="http://www.w3.org/2001/XMLSchema"/>
   </ds:schemaRefs>
 </ds:datastoreItem>
 </file>
@@ -14289,20 +14280,9 @@
 </file>
 
 <file path=customXml/itemProps3.xml><?xml version="1.0" encoding="utf-8"?>
-<ds:datastoreItem xmlns:ds="http://schemas.openxmlformats.org/officeDocument/2006/customXml" ds:itemID="{025820C3-FD82-4EFC-BF14-EAF1F9613F52}">
+<ds:datastoreItem xmlns:ds="http://schemas.openxmlformats.org/officeDocument/2006/customXml" ds:itemID="{4E8623C8-32E1-48B0-9F0A-13F2E9582B7E}">
   <ds:schemaRefs>
-    <ds:schemaRef ds:uri="669280c1-d17e-4d1d-bd7f-b4f14cc6bf1d"/>
-    <ds:schemaRef ds:uri="bdc56f61-abc0-4f7e-bfec-a93ccd1ae886"/>
-    <ds:schemaRef ds:uri="http://purl.org/dc/elements/1.1/"/>
-    <ds:schemaRef ds:uri="http://purl.org/dc/terms/"/>
-    <ds:schemaRef ds:uri="http://schemas.microsoft.com/internal/obd"/>
-    <ds:schemaRef ds:uri="http://schemas.microsoft.com/office/2006/documentManagement/types"/>
-    <ds:schemaRef ds:uri="http://schemas.microsoft.com/office/2006/metadata/contentType"/>
-    <ds:schemaRef ds:uri="http://schemas.microsoft.com/office/2006/metadata/properties"/>
-    <ds:schemaRef ds:uri="http://schemas.microsoft.com/office/2006/metadata/properties/metaAttributes"/>
-    <ds:schemaRef ds:uri="http://schemas.microsoft.com/office/infopath/2007/PartnerControls"/>
-    <ds:schemaRef ds:uri="http://schemas.openxmlformats.org/package/2006/metadata/core-properties"/>
-    <ds:schemaRef ds:uri="http://www.w3.org/2001/XMLSchema"/>
+    <ds:schemaRef ds:uri="http://schemas.microsoft.com/sharepoint/v3/contenttype/forms"/>
   </ds:schemaRefs>
 </ds:datastoreItem>
 </file>